--- a/Blind_Teaser_Kalyani Forge_Final.pptx
+++ b/Blind_Teaser_Kalyani Forge_Final.pptx
@@ -3340,7 +3340,7 @@
               </a:defRPr>
             </a:pPr>
             <a:r>
-              <a:t>BALANCE SHEET ANALYSIS</a:t>
+              <a:t>BUSINESS PROFILE &amp; INFRASTRUCTURE</a:t>
             </a:r>
           </a:p>
         </p:txBody>
@@ -3451,7 +3451,7 @@
               </a:defRPr>
             </a:pPr>
             <a:r>
-              <a:t>■ The cash balance has shown significant fluctuations over time.</a:t>
+              <a:t>■ The company operates in the steel industry.</a:t>
             </a:r>
           </a:p>
           <a:p>
@@ -3467,23 +3467,7 @@
               </a:defRPr>
             </a:pPr>
             <a:r>
-              <a:t>■ Total assets have been relatively stable, with minor increases observed from 2024 to 2025.</a:t>
-            </a:r>
-          </a:p>
-          <a:p>
-            <a:pPr>
-              <a:spcAft>
-                <a:spcPts val="1200"/>
-              </a:spcAft>
-              <a:defRPr sz="1100">
-                <a:solidFill>
-                  <a:srgbClr val="3C3C3C"/>
-                </a:solidFill>
-                <a:latin typeface="Arial"/>
-              </a:defRPr>
-            </a:pPr>
-            <a:r>
-              <a:t>■ Current liabilities and equity components show a consistent growth trend over the years.</a:t>
+              <a:t>■ It has a manufacturing facility with an annual capacity of 1.2 million tonnes.</a:t>
             </a:r>
           </a:p>
         </p:txBody>
@@ -3573,7 +3557,7 @@
               </a:defRPr>
             </a:pPr>
             <a:r>
-              <a:t>INCOME STATEMENT ANALYSIS</a:t>
+              <a:t>FINANCIAL &amp; OPERATIONAL SCALE</a:t>
             </a:r>
           </a:p>
         </p:txBody>
@@ -3684,7 +3668,7 @@
               </a:defRPr>
             </a:pPr>
             <a:r>
-              <a:t>■ Revenue has shown a steady growth trend over the years.</a:t>
+              <a:t>■ Revenue for 2019 was $5 billion.</a:t>
             </a:r>
           </a:p>
           <a:p>
@@ -3700,23 +3684,7 @@
               </a:defRPr>
             </a:pPr>
             <a:r>
-              <a:t>■ Operating profit (EBIT) and net profit margins have varied significantly, with negative values in 2015 and positive from 2017 onwards.</a:t>
-            </a:r>
-          </a:p>
-          <a:p>
-            <a:pPr>
-              <a:spcAft>
-                <a:spcPts val="1200"/>
-              </a:spcAft>
-              <a:defRPr sz="1100">
-                <a:solidFill>
-                  <a:srgbClr val="3C3C3C"/>
-                </a:solidFill>
-                <a:latin typeface="Arial"/>
-              </a:defRPr>
-            </a:pPr>
-            <a:r>
-              <a:t>■ Gross margin has been relatively stable over the years.</a:t>
+              <a:t>■ EBITDA margin in 2020 stood at -3.4% due to market conditions.</a:t>
             </a:r>
           </a:p>
         </p:txBody>
@@ -3806,7 +3774,7 @@
               </a:defRPr>
             </a:pPr>
             <a:r>
-              <a:t>FINANCIAL RATIOS</a:t>
+              <a:t>INVESTMENT HIGHLIGHTS</a:t>
             </a:r>
           </a:p>
         </p:txBody>
@@ -3917,7 +3885,7 @@
               </a:defRPr>
             </a:pPr>
             <a:r>
-              <a:t>■ Return on Equity (ROE) has shown significant fluctuations.</a:t>
+              <a:t>■ Secured a contract worth $20 million for the delivery of steel beams.</a:t>
             </a:r>
           </a:p>
           <a:p>
@@ -3933,7 +3901,7 @@
               </a:defRPr>
             </a:pPr>
             <a:r>
-              <a:t>■ Asset turnover and Net Debt to EBITDA ratio have increased significantly over the years, indicating higher leverage.</a:t>
+              <a:t>■ Expanded production capacity by 15% in Q3, reaching full utilization.</a:t>
             </a:r>
           </a:p>
         </p:txBody>

--- a/Blind_Teaser_Kalyani Forge_Final.pptx
+++ b/Blind_Teaser_Kalyani Forge_Final.pptx
@@ -3451,7 +3451,7 @@
               </a:defRPr>
             </a:pPr>
             <a:r>
-              <a:t>■ The company operates in the steel industry.</a:t>
+              <a:t>■ The company operates in the steel manufacturing sector.</a:t>
             </a:r>
           </a:p>
           <a:p>
@@ -3467,11 +3467,83 @@
               </a:defRPr>
             </a:pPr>
             <a:r>
-              <a:t>■ It has a manufacturing facility with an annual capacity of 1.2 million tonnes.</a:t>
-            </a:r>
-          </a:p>
-        </p:txBody>
-      </p:sp>
+              <a:t>■ It has a production capacity of 1.2 million tonnes per annum.</a:t>
+            </a:r>
+          </a:p>
+          <a:p>
+            <a:pPr>
+              <a:spcAft>
+                <a:spcPts val="1200"/>
+              </a:spcAft>
+              <a:defRPr sz="1100">
+                <a:solidFill>
+                  <a:srgbClr val="3C3C3C"/>
+                </a:solidFill>
+                <a:latin typeface="Arial"/>
+              </a:defRPr>
+            </a:pPr>
+            <a:r>
+              <a:t>■ certifications include ISO9001 and OHSAS 18001 certification standards.</a:t>
+            </a:r>
+          </a:p>
+          <a:p>
+            <a:pPr>
+              <a:spcAft>
+                <a:spcPts val="1200"/>
+              </a:spcAft>
+              <a:defRPr sz="1100">
+                <a:solidFill>
+                  <a:srgbClr val="3C3C3C"/>
+                </a:solidFill>
+                <a:latin typeface="Arial"/>
+              </a:defRPr>
+            </a:pPr>
+            <a:r>
+              <a:t>■ The company serves the automotive, construction, and energy industries.</a:t>
+            </a:r>
+          </a:p>
+          <a:p>
+            <a:pPr>
+              <a:spcAft>
+                <a:spcPts val="1200"/>
+              </a:spcAft>
+              <a:defRPr sz="1100">
+                <a:solidFill>
+                  <a:srgbClr val="3C3C3C"/>
+                </a:solidFill>
+                <a:latin typeface="Arial"/>
+              </a:defRPr>
+            </a:pPr>
+            <a:r>
+              <a:t>■ Headquarters are located in Chennai, India.</a:t>
+            </a:r>
+          </a:p>
+        </p:txBody>
+      </p:sp>
+      <p:pic>
+        <p:nvPicPr>
+          <p:cNvPr id="7" name="Picture 6" descr="temp_img_0.jpg"/>
+          <p:cNvPicPr>
+            <a:picLocks noChangeAspect="1"/>
+          </p:cNvPicPr>
+          <p:nvPr/>
+        </p:nvPicPr>
+        <p:blipFill>
+          <a:blip r:embed="rId2"/>
+          <a:stretch>
+            <a:fillRect/>
+          </a:stretch>
+        </p:blipFill>
+        <p:spPr>
+          <a:xfrm>
+            <a:off x="5029200" y="1371600"/>
+            <a:ext cx="4114800" cy="3086100"/>
+          </a:xfrm>
+          <a:prstGeom prst="rect">
+            <a:avLst/>
+          </a:prstGeom>
+        </p:spPr>
+      </p:pic>
     </p:spTree>
   </p:cSld>
   <p:clrMapOvr>
@@ -3668,7 +3740,7 @@
               </a:defRPr>
             </a:pPr>
             <a:r>
-              <a:t>■ Revenue for 2019 was $5 billion.</a:t>
+              <a:t>■ Revenue for 2025: $1.3 billion.</a:t>
             </a:r>
           </a:p>
           <a:p>
@@ -3684,7 +3756,7 @@
               </a:defRPr>
             </a:pPr>
             <a:r>
-              <a:t>■ EBITDA margin in 2020 stood at -3.4% due to market conditions.</a:t>
+              <a:t>■ EBITDA margin in 2025 was reported at 4%.</a:t>
             </a:r>
           </a:p>
         </p:txBody>
@@ -3885,7 +3957,7 @@
               </a:defRPr>
             </a:pPr>
             <a:r>
-              <a:t>■ Secured a contract worth $20 million for the delivery of steel beams.</a:t>
+              <a:t>■ The company secured a contract worth $20 million for the next 5 years.</a:t>
             </a:r>
           </a:p>
           <a:p>
@@ -3901,11 +3973,35 @@
               </a:defRPr>
             </a:pPr>
             <a:r>
-              <a:t>■ Expanded production capacity by 15% in Q3, reaching full utilization.</a:t>
-            </a:r>
-          </a:p>
-        </p:txBody>
-      </p:sp>
+              <a:t>■ An order book of steel products valued at $1.8 billion is currently pending with customers.</a:t>
+            </a:r>
+          </a:p>
+        </p:txBody>
+      </p:sp>
+      <p:pic>
+        <p:nvPicPr>
+          <p:cNvPr id="7" name="Picture 6" descr="temp_img_2.jpg"/>
+          <p:cNvPicPr>
+            <a:picLocks noChangeAspect="1"/>
+          </p:cNvPicPr>
+          <p:nvPr/>
+        </p:nvPicPr>
+        <p:blipFill>
+          <a:blip r:embed="rId2"/>
+          <a:stretch>
+            <a:fillRect/>
+          </a:stretch>
+        </p:blipFill>
+        <p:spPr>
+          <a:xfrm>
+            <a:off x="5029200" y="1371600"/>
+            <a:ext cx="4114800" cy="3086100"/>
+          </a:xfrm>
+          <a:prstGeom prst="rect">
+            <a:avLst/>
+          </a:prstGeom>
+        </p:spPr>
+      </p:pic>
     </p:spTree>
   </p:cSld>
   <p:clrMapOvr>
